--- a/Tecnicas de Diseño y Programacion_Salamanca.pptx
+++ b/Tecnicas de Diseño y Programacion_Salamanca.pptx
@@ -5,10 +5,10 @@
     <p:sldMasterId id="2147483648" r:id="rId1"/>
   </p:sldMasterIdLst>
   <p:notesMasterIdLst>
-    <p:notesMasterId r:id="rId12"/>
+    <p:notesMasterId r:id="rId13"/>
   </p:notesMasterIdLst>
   <p:handoutMasterIdLst>
-    <p:handoutMasterId r:id="rId13"/>
+    <p:handoutMasterId r:id="rId14"/>
   </p:handoutMasterIdLst>
   <p:sldIdLst>
     <p:sldId id="257" r:id="rId2"/>
@@ -18,9 +18,10 @@
     <p:sldId id="268" r:id="rId6"/>
     <p:sldId id="272" r:id="rId7"/>
     <p:sldId id="269" r:id="rId8"/>
-    <p:sldId id="273" r:id="rId9"/>
-    <p:sldId id="270" r:id="rId10"/>
-    <p:sldId id="274" r:id="rId11"/>
+    <p:sldId id="276" r:id="rId9"/>
+    <p:sldId id="273" r:id="rId10"/>
+    <p:sldId id="270" r:id="rId11"/>
+    <p:sldId id="274" r:id="rId12"/>
   </p:sldIdLst>
   <p:sldSz cx="12192000" cy="6858000"/>
   <p:notesSz cx="6858000" cy="9144000"/>
@@ -214,7 +215,7 @@
             <a:pPr rtl="0"/>
             <a:fld id="{2A08F340-2088-44BB-8ED7-3D8CA093D8CF}" type="datetime1">
               <a:rPr lang="es-ES" smtClean="0"/>
-              <a:t>26/09/2018</a:t>
+              <a:t>29/09/2018</a:t>
             </a:fld>
             <a:endParaRPr lang="es-ES" dirty="0"/>
           </a:p>
@@ -384,7 +385,7 @@
             <a:pPr rtl="0"/>
             <a:fld id="{94097521-A99F-4338-BA65-8121DD1D8F63}" type="datetime1">
               <a:rPr lang="es-ES" noProof="0" smtClean="0"/>
-              <a:t>26/09/2018</a:t>
+              <a:t>29/09/2018</a:t>
             </a:fld>
             <a:endParaRPr lang="es-ES" noProof="0" dirty="0"/>
           </a:p>
@@ -1353,7 +1354,7 @@
             <a:pPr rtl="0"/>
             <a:fld id="{8D53C4C5-1A91-4DD5-876D-7FD06AD5DCDF}" type="datetime1">
               <a:rPr lang="es-ES" noProof="0" smtClean="0"/>
-              <a:t>26/09/2018</a:t>
+              <a:t>29/09/2018</a:t>
             </a:fld>
             <a:endParaRPr lang="es-ES" noProof="0" dirty="0"/>
           </a:p>
@@ -1967,7 +1968,7 @@
             <a:pPr rtl="0"/>
             <a:fld id="{B271DCB1-EDC2-4F46-9464-E3A266B120DF}" type="datetime1">
               <a:rPr lang="es-ES" noProof="0" smtClean="0"/>
-              <a:t>26/09/2018</a:t>
+              <a:t>29/09/2018</a:t>
             </a:fld>
             <a:endParaRPr lang="es-ES" noProof="0" dirty="0"/>
           </a:p>
@@ -2159,7 +2160,7 @@
             <a:pPr rtl="0"/>
             <a:fld id="{DE7A7A6C-D0B2-4914-965E-06ACC5F99020}" type="datetime1">
               <a:rPr lang="es-ES" noProof="0" smtClean="0"/>
-              <a:t>26/09/2018</a:t>
+              <a:t>29/09/2018</a:t>
             </a:fld>
             <a:endParaRPr lang="es-ES" noProof="0" dirty="0"/>
           </a:p>
@@ -2501,7 +2502,7 @@
             <a:pPr rtl="0"/>
             <a:fld id="{4810A580-6A6D-4606-A8C1-2EDABCAC7FFA}" type="datetime1">
               <a:rPr lang="es-ES" noProof="0" smtClean="0"/>
-              <a:t>26/09/2018</a:t>
+              <a:t>29/09/2018</a:t>
             </a:fld>
             <a:endParaRPr lang="es-ES" noProof="0" dirty="0"/>
           </a:p>
@@ -2702,7 +2703,7 @@
             <a:pPr rtl="0"/>
             <a:fld id="{BC670C18-3C4E-4264-B3DE-9642F27A7121}" type="datetime1">
               <a:rPr lang="es-ES" noProof="0" smtClean="0"/>
-              <a:t>26/09/2018</a:t>
+              <a:t>29/09/2018</a:t>
             </a:fld>
             <a:endParaRPr lang="es-ES" noProof="0" dirty="0"/>
           </a:p>
@@ -3888,7 +3889,7 @@
             <a:pPr rtl="0"/>
             <a:fld id="{64214489-3716-4F2B-9EA3-68264DA40C3B}" type="datetime1">
               <a:rPr lang="es-ES" noProof="0" smtClean="0"/>
-              <a:t>26/09/2018</a:t>
+              <a:t>29/09/2018</a:t>
             </a:fld>
             <a:endParaRPr lang="es-ES" noProof="0" dirty="0"/>
           </a:p>
@@ -4284,7 +4285,7 @@
             <a:pPr rtl="0"/>
             <a:fld id="{B149DA12-7EA2-4F24-BBA4-DC3176F3C47D}" type="datetime1">
               <a:rPr lang="es-ES" noProof="0" smtClean="0"/>
-              <a:t>26/09/2018</a:t>
+              <a:t>29/09/2018</a:t>
             </a:fld>
             <a:endParaRPr lang="es-ES" noProof="0" dirty="0"/>
           </a:p>
@@ -4421,7 +4422,7 @@
             <a:pPr rtl="0"/>
             <a:fld id="{AF4745CB-24BB-47BC-B049-FE8587516479}" type="datetime1">
               <a:rPr lang="es-ES" noProof="0" smtClean="0"/>
-              <a:t>26/09/2018</a:t>
+              <a:t>29/09/2018</a:t>
             </a:fld>
             <a:endParaRPr lang="es-ES" noProof="0" dirty="0"/>
           </a:p>
@@ -4534,7 +4535,7 @@
             <a:pPr rtl="0"/>
             <a:fld id="{79227ED3-0CC8-42FA-BA49-1120E1EE5049}" type="datetime1">
               <a:rPr lang="es-ES" noProof="0" smtClean="0"/>
-              <a:t>26/09/2018</a:t>
+              <a:t>29/09/2018</a:t>
             </a:fld>
             <a:endParaRPr lang="es-ES" noProof="0" dirty="0"/>
           </a:p>
@@ -4831,7 +4832,7 @@
             <a:pPr rtl="0"/>
             <a:fld id="{1B9F5478-835E-4E07-86D2-2B2850CB71F4}" type="datetime1">
               <a:rPr lang="es-ES" noProof="0" smtClean="0"/>
-              <a:t>26/09/2018</a:t>
+              <a:t>29/09/2018</a:t>
             </a:fld>
             <a:endParaRPr lang="es-ES" noProof="0" dirty="0"/>
           </a:p>
@@ -5215,7 +5216,7 @@
             <a:pPr rtl="0"/>
             <a:fld id="{1685EBF0-18CA-49C8-8074-1D88E0872D45}" type="datetime1">
               <a:rPr lang="es-ES" noProof="0" smtClean="0"/>
-              <a:t>26/09/2018</a:t>
+              <a:t>29/09/2018</a:t>
             </a:fld>
             <a:endParaRPr lang="es-ES" noProof="0" dirty="0"/>
           </a:p>
@@ -6119,6 +6120,542 @@
       </p:grpSpPr>
       <p:sp>
         <p:nvSpPr>
+          <p:cNvPr id="2" name="Título 1">
+            <a:extLst>
+              <a:ext uri="{FF2B5EF4-FFF2-40B4-BE49-F238E27FC236}">
+                <a16:creationId xmlns:a16="http://schemas.microsoft.com/office/drawing/2014/main" id="{AF0E5DE9-89D1-4FE4-AA1C-E32D0B9602EB}"/>
+              </a:ext>
+            </a:extLst>
+          </p:cNvPr>
+          <p:cNvSpPr>
+            <a:spLocks noGrp="1"/>
+          </p:cNvSpPr>
+          <p:nvPr>
+            <p:ph type="title"/>
+          </p:nvPr>
+        </p:nvSpPr>
+        <p:spPr>
+          <a:xfrm>
+            <a:off x="0" y="262898"/>
+            <a:ext cx="12192000" cy="890202"/>
+          </a:xfrm>
+          <a:solidFill>
+            <a:srgbClr val="040450"/>
+          </a:solidFill>
+        </p:spPr>
+        <p:style>
+          <a:lnRef idx="3">
+            <a:schemeClr val="lt1"/>
+          </a:lnRef>
+          <a:fillRef idx="1">
+            <a:schemeClr val="dk1"/>
+          </a:fillRef>
+          <a:effectRef idx="1">
+            <a:schemeClr val="dk1"/>
+          </a:effectRef>
+          <a:fontRef idx="minor">
+            <a:schemeClr val="lt1"/>
+          </a:fontRef>
+        </p:style>
+        <p:txBody>
+          <a:bodyPr anchor="ctr">
+            <a:normAutofit fontScale="90000"/>
+          </a:bodyPr>
+          <a:lstStyle/>
+          <a:p>
+            <a:r>
+              <a:rPr lang="es-ES" sz="6000" b="1" spc="50" dirty="0">
+                <a:ln w="9525" cmpd="sng">
+                  <a:solidFill>
+                    <a:schemeClr val="accent1"/>
+                  </a:solidFill>
+                  <a:prstDash val="solid"/>
+                </a:ln>
+                <a:solidFill>
+                  <a:srgbClr val="70AD47">
+                    <a:tint val="1000"/>
+                  </a:srgbClr>
+                </a:solidFill>
+                <a:effectLst>
+                  <a:glow rad="38100">
+                    <a:schemeClr val="accent1">
+                      <a:alpha val="40000"/>
+                    </a:schemeClr>
+                  </a:glow>
+                </a:effectLst>
+                <a:latin typeface="Corbel" panose="020B0503020204020204" pitchFamily="34" charset="0"/>
+              </a:rPr>
+              <a:t> Técnica de Programación</a:t>
+            </a:r>
+            <a:endParaRPr lang="es-PE" sz="6000" b="1" spc="50" dirty="0">
+              <a:ln w="9525" cmpd="sng">
+                <a:solidFill>
+                  <a:schemeClr val="accent1"/>
+                </a:solidFill>
+                <a:prstDash val="solid"/>
+              </a:ln>
+              <a:solidFill>
+                <a:srgbClr val="70AD47">
+                  <a:tint val="1000"/>
+                </a:srgbClr>
+              </a:solidFill>
+              <a:effectLst>
+                <a:glow rad="38100">
+                  <a:schemeClr val="accent1">
+                    <a:alpha val="40000"/>
+                  </a:schemeClr>
+                </a:glow>
+              </a:effectLst>
+              <a:latin typeface="Corbel" panose="020B0503020204020204" pitchFamily="34" charset="0"/>
+            </a:endParaRPr>
+          </a:p>
+        </p:txBody>
+      </p:sp>
+      <p:sp>
+        <p:nvSpPr>
+          <p:cNvPr id="6" name="Título 1">
+            <a:extLst>
+              <a:ext uri="{FF2B5EF4-FFF2-40B4-BE49-F238E27FC236}">
+                <a16:creationId xmlns:a16="http://schemas.microsoft.com/office/drawing/2014/main" id="{3270FBB0-D4A0-4F0E-BC83-A58D4EE93145}"/>
+              </a:ext>
+            </a:extLst>
+          </p:cNvPr>
+          <p:cNvSpPr txBox="1">
+            <a:spLocks/>
+          </p:cNvSpPr>
+          <p:nvPr/>
+        </p:nvSpPr>
+        <p:spPr>
+          <a:xfrm>
+            <a:off x="0" y="1697924"/>
+            <a:ext cx="12192000" cy="636524"/>
+          </a:xfrm>
+          <a:prstGeom prst="rect">
+            <a:avLst/>
+          </a:prstGeom>
+        </p:spPr>
+        <p:style>
+          <a:lnRef idx="3">
+            <a:schemeClr val="lt1"/>
+          </a:lnRef>
+          <a:fillRef idx="1">
+            <a:schemeClr val="accent2"/>
+          </a:fillRef>
+          <a:effectRef idx="1">
+            <a:schemeClr val="accent2"/>
+          </a:effectRef>
+          <a:fontRef idx="minor">
+            <a:schemeClr val="lt1"/>
+          </a:fontRef>
+        </p:style>
+        <p:txBody>
+          <a:bodyPr vert="horz" lIns="91440" tIns="45720" rIns="91440" bIns="45720" rtlCol="0" anchor="ctr">
+            <a:normAutofit/>
+          </a:bodyPr>
+          <a:lstStyle>
+            <a:lvl1pPr algn="l" defTabSz="914400" rtl="0" eaLnBrk="1" latinLnBrk="0" hangingPunct="1">
+              <a:lnSpc>
+                <a:spcPct val="90000"/>
+              </a:lnSpc>
+              <a:spcBef>
+                <a:spcPct val="0"/>
+              </a:spcBef>
+              <a:buNone/>
+              <a:defRPr sz="3200" kern="1200">
+                <a:solidFill>
+                  <a:schemeClr val="lt1"/>
+                </a:solidFill>
+                <a:latin typeface="+mn-lt"/>
+                <a:ea typeface="+mn-ea"/>
+                <a:cs typeface="+mn-cs"/>
+              </a:defRPr>
+            </a:lvl1pPr>
+            <a:lvl2pPr>
+              <a:defRPr>
+                <a:solidFill>
+                  <a:schemeClr val="lt1"/>
+                </a:solidFill>
+                <a:latin typeface="+mn-lt"/>
+                <a:ea typeface="+mn-ea"/>
+                <a:cs typeface="+mn-cs"/>
+              </a:defRPr>
+            </a:lvl2pPr>
+            <a:lvl3pPr>
+              <a:defRPr>
+                <a:solidFill>
+                  <a:schemeClr val="lt1"/>
+                </a:solidFill>
+                <a:latin typeface="+mn-lt"/>
+                <a:ea typeface="+mn-ea"/>
+                <a:cs typeface="+mn-cs"/>
+              </a:defRPr>
+            </a:lvl3pPr>
+            <a:lvl4pPr>
+              <a:defRPr>
+                <a:solidFill>
+                  <a:schemeClr val="lt1"/>
+                </a:solidFill>
+                <a:latin typeface="+mn-lt"/>
+                <a:ea typeface="+mn-ea"/>
+                <a:cs typeface="+mn-cs"/>
+              </a:defRPr>
+            </a:lvl4pPr>
+            <a:lvl5pPr>
+              <a:defRPr>
+                <a:solidFill>
+                  <a:schemeClr val="lt1"/>
+                </a:solidFill>
+                <a:latin typeface="+mn-lt"/>
+                <a:ea typeface="+mn-ea"/>
+                <a:cs typeface="+mn-cs"/>
+              </a:defRPr>
+            </a:lvl5pPr>
+            <a:lvl6pPr>
+              <a:defRPr>
+                <a:solidFill>
+                  <a:schemeClr val="lt1"/>
+                </a:solidFill>
+                <a:latin typeface="+mn-lt"/>
+                <a:ea typeface="+mn-ea"/>
+                <a:cs typeface="+mn-cs"/>
+              </a:defRPr>
+            </a:lvl6pPr>
+            <a:lvl7pPr>
+              <a:defRPr>
+                <a:solidFill>
+                  <a:schemeClr val="lt1"/>
+                </a:solidFill>
+                <a:latin typeface="+mn-lt"/>
+                <a:ea typeface="+mn-ea"/>
+                <a:cs typeface="+mn-cs"/>
+              </a:defRPr>
+            </a:lvl7pPr>
+            <a:lvl8pPr>
+              <a:defRPr>
+                <a:solidFill>
+                  <a:schemeClr val="lt1"/>
+                </a:solidFill>
+                <a:latin typeface="+mn-lt"/>
+                <a:ea typeface="+mn-ea"/>
+                <a:cs typeface="+mn-cs"/>
+              </a:defRPr>
+            </a:lvl8pPr>
+            <a:lvl9pPr>
+              <a:defRPr>
+                <a:solidFill>
+                  <a:schemeClr val="lt1"/>
+                </a:solidFill>
+                <a:latin typeface="+mn-lt"/>
+                <a:ea typeface="+mn-ea"/>
+                <a:cs typeface="+mn-cs"/>
+              </a:defRPr>
+            </a:lvl9pPr>
+          </a:lstStyle>
+          <a:p>
+            <a:pPr algn="ctr"/>
+            <a:r>
+              <a:rPr lang="es-ES" sz="2400" dirty="0">
+                <a:ln w="0">
+                  <a:solidFill>
+                    <a:sysClr val="windowText" lastClr="000000"/>
+                  </a:solidFill>
+                </a:ln>
+                <a:solidFill>
+                  <a:sysClr val="windowText" lastClr="000000"/>
+                </a:solidFill>
+                <a:effectLst>
+                  <a:outerShdw blurRad="38100" dist="19050" dir="2700000" algn="tl" rotWithShape="0">
+                    <a:schemeClr val="dk1">
+                      <a:alpha val="40000"/>
+                    </a:schemeClr>
+                  </a:outerShdw>
+                </a:effectLst>
+                <a:latin typeface="Corbel" panose="020B0503020204020204" pitchFamily="34" charset="0"/>
+              </a:rPr>
+              <a:t>TDD (Desarrollo Guiado por Pruebas)</a:t>
+            </a:r>
+          </a:p>
+        </p:txBody>
+      </p:sp>
+      <p:sp>
+        <p:nvSpPr>
+          <p:cNvPr id="10" name="Rectángulo: esquinas redondeadas 9">
+            <a:extLst>
+              <a:ext uri="{FF2B5EF4-FFF2-40B4-BE49-F238E27FC236}">
+                <a16:creationId xmlns:a16="http://schemas.microsoft.com/office/drawing/2014/main" id="{F2AD017D-6541-47D4-A458-D0D040E9BB09}"/>
+              </a:ext>
+            </a:extLst>
+          </p:cNvPr>
+          <p:cNvSpPr/>
+          <p:nvPr/>
+        </p:nvSpPr>
+        <p:spPr>
+          <a:xfrm>
+            <a:off x="594485" y="4505528"/>
+            <a:ext cx="4273893" cy="469344"/>
+          </a:xfrm>
+          <a:prstGeom prst="roundRect">
+            <a:avLst>
+              <a:gd name="adj" fmla="val 37544"/>
+            </a:avLst>
+          </a:prstGeom>
+          <a:solidFill>
+            <a:srgbClr val="EF7920"/>
+          </a:solidFill>
+          <a:ln/>
+        </p:spPr>
+        <p:style>
+          <a:lnRef idx="3">
+            <a:schemeClr val="lt1"/>
+          </a:lnRef>
+          <a:fillRef idx="1">
+            <a:schemeClr val="accent6"/>
+          </a:fillRef>
+          <a:effectRef idx="1">
+            <a:schemeClr val="accent6"/>
+          </a:effectRef>
+          <a:fontRef idx="minor">
+            <a:schemeClr val="lt1"/>
+          </a:fontRef>
+        </p:style>
+        <p:txBody>
+          <a:bodyPr wrap="square" anchor="ctr">
+            <a:spAutoFit/>
+          </a:bodyPr>
+          <a:lstStyle/>
+          <a:p>
+            <a:pPr algn="ctr"/>
+            <a:r>
+              <a:rPr lang="es-PE" b="1" spc="50" dirty="0">
+                <a:ln w="0"/>
+                <a:solidFill>
+                  <a:schemeClr val="tx2">
+                    <a:lumMod val="95000"/>
+                    <a:lumOff val="5000"/>
+                  </a:schemeClr>
+                </a:solidFill>
+                <a:effectLst>
+                  <a:innerShdw blurRad="63500" dist="50800" dir="13500000">
+                    <a:srgbClr val="000000">
+                      <a:alpha val="50000"/>
+                    </a:srgbClr>
+                  </a:innerShdw>
+                </a:effectLst>
+                <a:latin typeface="Tahoma" panose="020B0604030504040204" pitchFamily="34" charset="0"/>
+                <a:ea typeface="Tahoma" panose="020B0604030504040204" pitchFamily="34" charset="0"/>
+                <a:cs typeface="Tahoma" panose="020B0604030504040204" pitchFamily="34" charset="0"/>
+              </a:rPr>
+              <a:t>¿Por qué Aplicarlo?</a:t>
+            </a:r>
+          </a:p>
+        </p:txBody>
+      </p:sp>
+      <p:sp>
+        <p:nvSpPr>
+          <p:cNvPr id="9" name="Rectángulo 8">
+            <a:extLst>
+              <a:ext uri="{FF2B5EF4-FFF2-40B4-BE49-F238E27FC236}">
+                <a16:creationId xmlns:a16="http://schemas.microsoft.com/office/drawing/2014/main" id="{740FC6C0-8B87-41FA-8E7A-B6A5DEAB8555}"/>
+              </a:ext>
+            </a:extLst>
+          </p:cNvPr>
+          <p:cNvSpPr/>
+          <p:nvPr/>
+        </p:nvSpPr>
+        <p:spPr>
+          <a:xfrm>
+            <a:off x="594485" y="5343657"/>
+            <a:ext cx="5501513" cy="646331"/>
+          </a:xfrm>
+          <a:prstGeom prst="rect">
+            <a:avLst/>
+          </a:prstGeom>
+        </p:spPr>
+        <p:txBody>
+          <a:bodyPr wrap="square">
+            <a:spAutoFit/>
+          </a:bodyPr>
+          <a:lstStyle/>
+          <a:p>
+            <a:pPr algn="just"/>
+            <a:r>
+              <a:rPr lang="es-ES" dirty="0">
+                <a:solidFill>
+                  <a:schemeClr val="tx2">
+                    <a:lumMod val="85000"/>
+                    <a:lumOff val="15000"/>
+                  </a:schemeClr>
+                </a:solidFill>
+                <a:latin typeface="Tahoma" panose="020B0604030504040204" pitchFamily="34" charset="0"/>
+                <a:ea typeface="Tahoma" panose="020B0604030504040204" pitchFamily="34" charset="0"/>
+                <a:cs typeface="Tahoma" panose="020B0604030504040204" pitchFamily="34" charset="0"/>
+              </a:rPr>
+              <a:t>Ofrece un código más robusto </a:t>
+            </a:r>
+            <a:r>
+              <a:rPr lang="es-PE" dirty="0">
+                <a:solidFill>
+                  <a:schemeClr val="tx2">
+                    <a:lumMod val="85000"/>
+                    <a:lumOff val="15000"/>
+                  </a:schemeClr>
+                </a:solidFill>
+                <a:latin typeface="Tahoma" panose="020B0604030504040204" pitchFamily="34" charset="0"/>
+                <a:ea typeface="Tahoma" panose="020B0604030504040204" pitchFamily="34" charset="0"/>
+                <a:cs typeface="Tahoma" panose="020B0604030504040204" pitchFamily="34" charset="0"/>
+              </a:rPr>
+              <a:t>más seguro, más mantenible y una mayor rapidez en el desarrollo.</a:t>
+            </a:r>
+            <a:endParaRPr lang="es-ES" dirty="0">
+              <a:solidFill>
+                <a:schemeClr val="tx2">
+                  <a:lumMod val="85000"/>
+                  <a:lumOff val="15000"/>
+                </a:schemeClr>
+              </a:solidFill>
+              <a:latin typeface="Tahoma" panose="020B0604030504040204" pitchFamily="34" charset="0"/>
+              <a:ea typeface="Tahoma" panose="020B0604030504040204" pitchFamily="34" charset="0"/>
+              <a:cs typeface="Tahoma" panose="020B0604030504040204" pitchFamily="34" charset="0"/>
+            </a:endParaRPr>
+          </a:p>
+        </p:txBody>
+      </p:sp>
+      <p:sp>
+        <p:nvSpPr>
+          <p:cNvPr id="14" name="Rectángulo 13">
+            <a:extLst>
+              <a:ext uri="{FF2B5EF4-FFF2-40B4-BE49-F238E27FC236}">
+                <a16:creationId xmlns:a16="http://schemas.microsoft.com/office/drawing/2014/main" id="{C4C106E4-336B-42EF-A326-BAF6AE1526C9}"/>
+              </a:ext>
+            </a:extLst>
+          </p:cNvPr>
+          <p:cNvSpPr/>
+          <p:nvPr/>
+        </p:nvSpPr>
+        <p:spPr>
+          <a:xfrm>
+            <a:off x="352658" y="2879159"/>
+            <a:ext cx="11486679" cy="923330"/>
+          </a:xfrm>
+          <a:prstGeom prst="rect">
+            <a:avLst/>
+          </a:prstGeom>
+        </p:spPr>
+        <p:txBody>
+          <a:bodyPr wrap="square">
+            <a:spAutoFit/>
+          </a:bodyPr>
+          <a:lstStyle/>
+          <a:p>
+            <a:pPr algn="just"/>
+            <a:r>
+              <a:rPr lang="es-PE" dirty="0">
+                <a:solidFill>
+                  <a:schemeClr val="tx2">
+                    <a:lumMod val="85000"/>
+                    <a:lumOff val="15000"/>
+                  </a:schemeClr>
+                </a:solidFill>
+                <a:latin typeface="Tahoma" panose="020B0604030504040204" pitchFamily="34" charset="0"/>
+                <a:ea typeface="Tahoma" panose="020B0604030504040204" pitchFamily="34" charset="0"/>
+                <a:cs typeface="Tahoma" panose="020B0604030504040204" pitchFamily="34" charset="0"/>
+              </a:rPr>
+              <a:t>Promueve el desarrollo de software con altos niveles de calidad, simplicidad de diseño y productividad del programador, mediante la utilización de una amplia gama de tipos de pruebas automáticas a lo largo de todo el ciclo de vida del software. </a:t>
+            </a:r>
+          </a:p>
+        </p:txBody>
+      </p:sp>
+      <p:pic>
+        <p:nvPicPr>
+          <p:cNvPr id="1026" name="Picture 2" descr="Resultado de imagen para test driven development">
+            <a:extLst>
+              <a:ext uri="{FF2B5EF4-FFF2-40B4-BE49-F238E27FC236}">
+                <a16:creationId xmlns:a16="http://schemas.microsoft.com/office/drawing/2014/main" id="{BB3D4EF2-EEF3-4F8B-A51F-0F8798C97F40}"/>
+              </a:ext>
+            </a:extLst>
+          </p:cNvPr>
+          <p:cNvPicPr>
+            <a:picLocks noChangeAspect="1" noChangeArrowheads="1"/>
+          </p:cNvPicPr>
+          <p:nvPr/>
+        </p:nvPicPr>
+        <p:blipFill>
+          <a:blip r:embed="rId2">
+            <a:extLst>
+              <a:ext uri="{28A0092B-C50C-407E-A947-70E740481C1C}">
+                <a14:useLocalDpi xmlns:a14="http://schemas.microsoft.com/office/drawing/2010/main" val="0"/>
+              </a:ext>
+            </a:extLst>
+          </a:blip>
+          <a:srcRect/>
+          <a:stretch>
+            <a:fillRect/>
+          </a:stretch>
+        </p:blipFill>
+        <p:spPr bwMode="auto">
+          <a:xfrm>
+            <a:off x="6807200" y="3931351"/>
+            <a:ext cx="4324350" cy="2457450"/>
+          </a:xfrm>
+          <a:prstGeom prst="rect">
+            <a:avLst/>
+          </a:prstGeom>
+          <a:noFill/>
+          <a:extLst>
+            <a:ext uri="{909E8E84-426E-40DD-AFC4-6F175D3DCCD1}">
+              <a14:hiddenFill xmlns:a14="http://schemas.microsoft.com/office/drawing/2010/main">
+                <a:solidFill>
+                  <a:srgbClr val="FFFFFF"/>
+                </a:solidFill>
+              </a14:hiddenFill>
+            </a:ext>
+          </a:extLst>
+        </p:spPr>
+      </p:pic>
+    </p:spTree>
+    <p:extLst>
+      <p:ext uri="{BB962C8B-B14F-4D97-AF65-F5344CB8AC3E}">
+        <p14:creationId xmlns:p14="http://schemas.microsoft.com/office/powerpoint/2010/main" val="2250107749"/>
+      </p:ext>
+    </p:extLst>
+  </p:cSld>
+  <p:clrMapOvr>
+    <a:masterClrMapping/>
+  </p:clrMapOvr>
+  <mc:AlternateContent xmlns:mc="http://schemas.openxmlformats.org/markup-compatibility/2006" xmlns:p14="http://schemas.microsoft.com/office/powerpoint/2010/main">
+    <mc:Choice Requires="p14">
+      <p:transition spd="med" p14:dur="700">
+        <p:fade/>
+      </p:transition>
+    </mc:Choice>
+    <mc:Fallback xmlns="">
+      <p:transition spd="med">
+        <p:fade/>
+      </p:transition>
+    </mc:Fallback>
+  </mc:AlternateContent>
+</p:sld>
+</file>
+
+<file path=ppt/slides/slide11.xml><?xml version="1.0" encoding="utf-8"?>
+<p:sld xmlns:a="http://schemas.openxmlformats.org/drawingml/2006/main" xmlns:r="http://schemas.openxmlformats.org/officeDocument/2006/relationships" xmlns:p="http://schemas.openxmlformats.org/presentationml/2006/main">
+  <p:cSld>
+    <p:spTree>
+      <p:nvGrpSpPr>
+        <p:cNvPr id="1" name=""/>
+        <p:cNvGrpSpPr/>
+        <p:nvPr/>
+      </p:nvGrpSpPr>
+      <p:grpSpPr>
+        <a:xfrm>
+          <a:off x="0" y="0"/>
+          <a:ext cx="0" cy="0"/>
+          <a:chOff x="0" y="0"/>
+          <a:chExt cx="0" cy="0"/>
+        </a:xfrm>
+      </p:grpSpPr>
+      <p:sp>
+        <p:nvSpPr>
           <p:cNvPr id="6" name="Título 1">
             <a:extLst>
               <a:ext uri="{FF2B5EF4-FFF2-40B4-BE49-F238E27FC236}">
@@ -10344,6 +10881,864 @@
       </p:grpSpPr>
       <p:sp>
         <p:nvSpPr>
+          <p:cNvPr id="2" name="Título 1">
+            <a:extLst>
+              <a:ext uri="{FF2B5EF4-FFF2-40B4-BE49-F238E27FC236}">
+                <a16:creationId xmlns:a16="http://schemas.microsoft.com/office/drawing/2014/main" id="{62CB436A-5D19-455C-A044-FCB23C9EA00C}"/>
+              </a:ext>
+            </a:extLst>
+          </p:cNvPr>
+          <p:cNvSpPr>
+            <a:spLocks noGrp="1"/>
+          </p:cNvSpPr>
+          <p:nvPr>
+            <p:ph type="title"/>
+          </p:nvPr>
+        </p:nvSpPr>
+        <p:spPr/>
+        <p:txBody>
+          <a:bodyPr/>
+          <a:lstStyle/>
+          <a:p>
+            <a:endParaRPr lang="es-PE"/>
+          </a:p>
+        </p:txBody>
+      </p:sp>
+      <p:sp>
+        <p:nvSpPr>
+          <p:cNvPr id="3" name="Rectángulo 2">
+            <a:extLst>
+              <a:ext uri="{FF2B5EF4-FFF2-40B4-BE49-F238E27FC236}">
+                <a16:creationId xmlns:a16="http://schemas.microsoft.com/office/drawing/2014/main" id="{7795D0B6-0DE2-4570-9C7D-4FF046734183}"/>
+              </a:ext>
+            </a:extLst>
+          </p:cNvPr>
+          <p:cNvSpPr/>
+          <p:nvPr/>
+        </p:nvSpPr>
+        <p:spPr>
+          <a:xfrm>
+            <a:off x="503423" y="4274146"/>
+            <a:ext cx="2849814" cy="1287532"/>
+          </a:xfrm>
+          <a:prstGeom prst="rect">
+            <a:avLst/>
+          </a:prstGeom>
+          <a:solidFill>
+            <a:srgbClr val="DDF2FF"/>
+          </a:solidFill>
+        </p:spPr>
+        <p:txBody>
+          <a:bodyPr wrap="square">
+            <a:spAutoFit/>
+          </a:bodyPr>
+          <a:lstStyle/>
+          <a:p>
+            <a:pPr algn="just">
+              <a:lnSpc>
+                <a:spcPct val="150000"/>
+              </a:lnSpc>
+            </a:pPr>
+            <a:r>
+              <a:rPr lang="es-PE" dirty="0">
+                <a:latin typeface="Arial" panose="020B0604020202020204" pitchFamily="34" charset="0"/>
+                <a:cs typeface="Arial" panose="020B0604020202020204" pitchFamily="34" charset="0"/>
+              </a:rPr>
+              <a:t>Conocimiento de negocio</a:t>
+            </a:r>
+          </a:p>
+          <a:p>
+            <a:pPr algn="just">
+              <a:lnSpc>
+                <a:spcPct val="150000"/>
+              </a:lnSpc>
+            </a:pPr>
+            <a:r>
+              <a:rPr lang="es-PE" dirty="0">
+                <a:latin typeface="Arial" panose="020B0604020202020204" pitchFamily="34" charset="0"/>
+                <a:cs typeface="Arial" panose="020B0604020202020204" pitchFamily="34" charset="0"/>
+              </a:rPr>
+              <a:t>Visión económica</a:t>
+            </a:r>
+          </a:p>
+          <a:p>
+            <a:pPr algn="just">
+              <a:lnSpc>
+                <a:spcPct val="150000"/>
+              </a:lnSpc>
+            </a:pPr>
+            <a:r>
+              <a:rPr lang="es-PE" dirty="0">
+                <a:latin typeface="Arial" panose="020B0604020202020204" pitchFamily="34" charset="0"/>
+                <a:cs typeface="Arial" panose="020B0604020202020204" pitchFamily="34" charset="0"/>
+              </a:rPr>
+              <a:t>Sencillo</a:t>
+            </a:r>
+            <a:endParaRPr lang="en-US" dirty="0">
+              <a:latin typeface="Arial" panose="020B0604020202020204" pitchFamily="34" charset="0"/>
+              <a:cs typeface="Arial" panose="020B0604020202020204" pitchFamily="34" charset="0"/>
+            </a:endParaRPr>
+          </a:p>
+        </p:txBody>
+      </p:sp>
+      <p:sp>
+        <p:nvSpPr>
+          <p:cNvPr id="4" name="Rectángulo 3">
+            <a:extLst>
+              <a:ext uri="{FF2B5EF4-FFF2-40B4-BE49-F238E27FC236}">
+                <a16:creationId xmlns:a16="http://schemas.microsoft.com/office/drawing/2014/main" id="{5E83434C-2CF6-4528-93CA-C1AF4693A764}"/>
+              </a:ext>
+            </a:extLst>
+          </p:cNvPr>
+          <p:cNvSpPr/>
+          <p:nvPr/>
+        </p:nvSpPr>
+        <p:spPr>
+          <a:xfrm>
+            <a:off x="8644791" y="4274146"/>
+            <a:ext cx="2849814" cy="1287532"/>
+          </a:xfrm>
+          <a:prstGeom prst="rect">
+            <a:avLst/>
+          </a:prstGeom>
+          <a:solidFill>
+            <a:srgbClr val="DDF2FF"/>
+          </a:solidFill>
+        </p:spPr>
+        <p:txBody>
+          <a:bodyPr wrap="square">
+            <a:spAutoFit/>
+          </a:bodyPr>
+          <a:lstStyle/>
+          <a:p>
+            <a:pPr algn="just">
+              <a:lnSpc>
+                <a:spcPct val="150000"/>
+              </a:lnSpc>
+            </a:pPr>
+            <a:r>
+              <a:rPr lang="es-PE" dirty="0">
+                <a:latin typeface="Arial" panose="020B0604020202020204" pitchFamily="34" charset="0"/>
+                <a:cs typeface="Arial" panose="020B0604020202020204" pitchFamily="34" charset="0"/>
+              </a:rPr>
+              <a:t>Conocimiento tecnológico</a:t>
+            </a:r>
+          </a:p>
+          <a:p>
+            <a:pPr algn="just">
+              <a:lnSpc>
+                <a:spcPct val="150000"/>
+              </a:lnSpc>
+            </a:pPr>
+            <a:r>
+              <a:rPr lang="es-PE" dirty="0">
+                <a:latin typeface="Arial" panose="020B0604020202020204" pitchFamily="34" charset="0"/>
+                <a:cs typeface="Arial" panose="020B0604020202020204" pitchFamily="34" charset="0"/>
+              </a:rPr>
+              <a:t>Visión eficiencia</a:t>
+            </a:r>
+          </a:p>
+          <a:p>
+            <a:pPr algn="just">
+              <a:lnSpc>
+                <a:spcPct val="150000"/>
+              </a:lnSpc>
+            </a:pPr>
+            <a:r>
+              <a:rPr lang="es-PE" dirty="0">
+                <a:latin typeface="Arial" panose="020B0604020202020204" pitchFamily="34" charset="0"/>
+                <a:cs typeface="Arial" panose="020B0604020202020204" pitchFamily="34" charset="0"/>
+              </a:rPr>
+              <a:t>Completo</a:t>
+            </a:r>
+            <a:endParaRPr lang="en-US" dirty="0">
+              <a:latin typeface="Arial" panose="020B0604020202020204" pitchFamily="34" charset="0"/>
+              <a:cs typeface="Arial" panose="020B0604020202020204" pitchFamily="34" charset="0"/>
+            </a:endParaRPr>
+          </a:p>
+        </p:txBody>
+      </p:sp>
+      <p:pic>
+        <p:nvPicPr>
+          <p:cNvPr id="5" name="Imagen 4">
+            <a:extLst>
+              <a:ext uri="{FF2B5EF4-FFF2-40B4-BE49-F238E27FC236}">
+                <a16:creationId xmlns:a16="http://schemas.microsoft.com/office/drawing/2014/main" id="{8C4C6302-9200-4D40-A6CD-4D9243F46C75}"/>
+              </a:ext>
+            </a:extLst>
+          </p:cNvPr>
+          <p:cNvPicPr>
+            <a:picLocks noChangeAspect="1"/>
+          </p:cNvPicPr>
+          <p:nvPr/>
+        </p:nvPicPr>
+        <p:blipFill>
+          <a:blip r:embed="rId2">
+            <a:extLst>
+              <a:ext uri="{28A0092B-C50C-407E-A947-70E740481C1C}">
+                <a14:useLocalDpi xmlns:a14="http://schemas.microsoft.com/office/drawing/2010/main" val="0"/>
+              </a:ext>
+            </a:extLst>
+          </a:blip>
+          <a:stretch>
+            <a:fillRect/>
+          </a:stretch>
+        </p:blipFill>
+        <p:spPr>
+          <a:xfrm>
+            <a:off x="503423" y="2094551"/>
+            <a:ext cx="10991182" cy="2207110"/>
+          </a:xfrm>
+          <a:prstGeom prst="rect">
+            <a:avLst/>
+          </a:prstGeom>
+        </p:spPr>
+      </p:pic>
+      <p:grpSp>
+        <p:nvGrpSpPr>
+          <p:cNvPr id="6" name="Grupo 5">
+            <a:extLst>
+              <a:ext uri="{FF2B5EF4-FFF2-40B4-BE49-F238E27FC236}">
+                <a16:creationId xmlns:a16="http://schemas.microsoft.com/office/drawing/2014/main" id="{FAE440DC-AACF-48E0-B1C1-DDD3BAA4D667}"/>
+              </a:ext>
+            </a:extLst>
+          </p:cNvPr>
+          <p:cNvGrpSpPr/>
+          <p:nvPr/>
+        </p:nvGrpSpPr>
+        <p:grpSpPr>
+          <a:xfrm>
+            <a:off x="503423" y="1680472"/>
+            <a:ext cx="11185153" cy="4672625"/>
+            <a:chOff x="517782" y="1534461"/>
+            <a:chExt cx="11185153" cy="4672625"/>
+          </a:xfrm>
+        </p:grpSpPr>
+        <p:pic>
+          <p:nvPicPr>
+            <p:cNvPr id="7" name="Imagen 6">
+              <a:extLst>
+                <a:ext uri="{FF2B5EF4-FFF2-40B4-BE49-F238E27FC236}">
+                  <a16:creationId xmlns:a16="http://schemas.microsoft.com/office/drawing/2014/main" id="{D47A546C-3825-41D1-B021-40365FEAFAFD}"/>
+                </a:ext>
+              </a:extLst>
+            </p:cNvPr>
+            <p:cNvPicPr>
+              <a:picLocks noChangeAspect="1"/>
+            </p:cNvPicPr>
+            <p:nvPr/>
+          </p:nvPicPr>
+          <p:blipFill>
+            <a:blip r:embed="rId3">
+              <a:extLst>
+                <a:ext uri="{28A0092B-C50C-407E-A947-70E740481C1C}">
+                  <a14:useLocalDpi xmlns:a14="http://schemas.microsoft.com/office/drawing/2010/main" val="0"/>
+                </a:ext>
+              </a:extLst>
+            </a:blip>
+            <a:stretch>
+              <a:fillRect/>
+            </a:stretch>
+          </p:blipFill>
+          <p:spPr>
+            <a:xfrm>
+              <a:off x="517782" y="1534461"/>
+              <a:ext cx="11185153" cy="4382754"/>
+            </a:xfrm>
+            <a:prstGeom prst="rect">
+              <a:avLst/>
+            </a:prstGeom>
+          </p:spPr>
+        </p:pic>
+        <p:sp>
+          <p:nvSpPr>
+            <p:cNvPr id="8" name="Rectángulo 7">
+              <a:extLst>
+                <a:ext uri="{FF2B5EF4-FFF2-40B4-BE49-F238E27FC236}">
+                  <a16:creationId xmlns:a16="http://schemas.microsoft.com/office/drawing/2014/main" id="{CFE6892C-6A2E-49B4-B4F1-BC4CA8FB482B}"/>
+                </a:ext>
+              </a:extLst>
+            </p:cNvPr>
+            <p:cNvSpPr/>
+            <p:nvPr/>
+          </p:nvSpPr>
+          <p:spPr>
+            <a:xfrm>
+              <a:off x="549068" y="3876668"/>
+              <a:ext cx="2849814" cy="1287532"/>
+            </a:xfrm>
+            <a:prstGeom prst="rect">
+              <a:avLst/>
+            </a:prstGeom>
+            <a:solidFill>
+              <a:srgbClr val="DDF2FF"/>
+            </a:solidFill>
+          </p:spPr>
+          <p:txBody>
+            <a:bodyPr wrap="square">
+              <a:spAutoFit/>
+            </a:bodyPr>
+            <a:lstStyle/>
+            <a:p>
+              <a:pPr algn="just">
+                <a:lnSpc>
+                  <a:spcPct val="150000"/>
+                </a:lnSpc>
+              </a:pPr>
+              <a:r>
+                <a:rPr lang="es-PE" dirty="0">
+                  <a:solidFill>
+                    <a:schemeClr val="tx2">
+                      <a:lumMod val="85000"/>
+                      <a:lumOff val="15000"/>
+                    </a:schemeClr>
+                  </a:solidFill>
+                  <a:latin typeface="Arial" panose="020B0604020202020204" pitchFamily="34" charset="0"/>
+                  <a:cs typeface="Arial" panose="020B0604020202020204" pitchFamily="34" charset="0"/>
+                </a:rPr>
+                <a:t>Conocimiento de negocio</a:t>
+              </a:r>
+            </a:p>
+            <a:p>
+              <a:pPr algn="just">
+                <a:lnSpc>
+                  <a:spcPct val="150000"/>
+                </a:lnSpc>
+              </a:pPr>
+              <a:r>
+                <a:rPr lang="es-PE" dirty="0">
+                  <a:solidFill>
+                    <a:schemeClr val="tx2">
+                      <a:lumMod val="85000"/>
+                      <a:lumOff val="15000"/>
+                    </a:schemeClr>
+                  </a:solidFill>
+                  <a:latin typeface="Arial" panose="020B0604020202020204" pitchFamily="34" charset="0"/>
+                  <a:cs typeface="Arial" panose="020B0604020202020204" pitchFamily="34" charset="0"/>
+                </a:rPr>
+                <a:t>Visión económica</a:t>
+              </a:r>
+            </a:p>
+            <a:p>
+              <a:pPr algn="just">
+                <a:lnSpc>
+                  <a:spcPct val="150000"/>
+                </a:lnSpc>
+              </a:pPr>
+              <a:r>
+                <a:rPr lang="es-PE" dirty="0">
+                  <a:solidFill>
+                    <a:schemeClr val="tx2">
+                      <a:lumMod val="85000"/>
+                      <a:lumOff val="15000"/>
+                    </a:schemeClr>
+                  </a:solidFill>
+                  <a:latin typeface="Arial" panose="020B0604020202020204" pitchFamily="34" charset="0"/>
+                  <a:cs typeface="Arial" panose="020B0604020202020204" pitchFamily="34" charset="0"/>
+                </a:rPr>
+                <a:t>Sencillo</a:t>
+              </a:r>
+              <a:endParaRPr lang="en-US" dirty="0">
+                <a:solidFill>
+                  <a:schemeClr val="tx2">
+                    <a:lumMod val="85000"/>
+                    <a:lumOff val="15000"/>
+                  </a:schemeClr>
+                </a:solidFill>
+                <a:latin typeface="Arial" panose="020B0604020202020204" pitchFamily="34" charset="0"/>
+                <a:cs typeface="Arial" panose="020B0604020202020204" pitchFamily="34" charset="0"/>
+              </a:endParaRPr>
+            </a:p>
+          </p:txBody>
+        </p:sp>
+        <p:sp>
+          <p:nvSpPr>
+            <p:cNvPr id="9" name="Rectángulo 8">
+              <a:extLst>
+                <a:ext uri="{FF2B5EF4-FFF2-40B4-BE49-F238E27FC236}">
+                  <a16:creationId xmlns:a16="http://schemas.microsoft.com/office/drawing/2014/main" id="{B3C2F7B4-6C10-45E7-B9E2-DA4C1C5432D9}"/>
+                </a:ext>
+              </a:extLst>
+            </p:cNvPr>
+            <p:cNvSpPr/>
+            <p:nvPr/>
+          </p:nvSpPr>
+          <p:spPr>
+            <a:xfrm>
+              <a:off x="8721722" y="3876668"/>
+              <a:ext cx="2849814" cy="1287532"/>
+            </a:xfrm>
+            <a:prstGeom prst="rect">
+              <a:avLst/>
+            </a:prstGeom>
+            <a:solidFill>
+              <a:srgbClr val="DDF2FF"/>
+            </a:solidFill>
+          </p:spPr>
+          <p:txBody>
+            <a:bodyPr wrap="square">
+              <a:spAutoFit/>
+            </a:bodyPr>
+            <a:lstStyle/>
+            <a:p>
+              <a:pPr algn="just">
+                <a:lnSpc>
+                  <a:spcPct val="150000"/>
+                </a:lnSpc>
+              </a:pPr>
+              <a:r>
+                <a:rPr lang="es-PE" dirty="0">
+                  <a:solidFill>
+                    <a:schemeClr val="tx2">
+                      <a:lumMod val="85000"/>
+                      <a:lumOff val="15000"/>
+                    </a:schemeClr>
+                  </a:solidFill>
+                  <a:latin typeface="Arial" panose="020B0604020202020204" pitchFamily="34" charset="0"/>
+                  <a:cs typeface="Arial" panose="020B0604020202020204" pitchFamily="34" charset="0"/>
+                </a:rPr>
+                <a:t>Conocimiento tecnológico</a:t>
+              </a:r>
+            </a:p>
+            <a:p>
+              <a:pPr algn="just">
+                <a:lnSpc>
+                  <a:spcPct val="150000"/>
+                </a:lnSpc>
+              </a:pPr>
+              <a:r>
+                <a:rPr lang="es-PE" dirty="0">
+                  <a:solidFill>
+                    <a:schemeClr val="tx2">
+                      <a:lumMod val="85000"/>
+                      <a:lumOff val="15000"/>
+                    </a:schemeClr>
+                  </a:solidFill>
+                  <a:latin typeface="Arial" panose="020B0604020202020204" pitchFamily="34" charset="0"/>
+                  <a:cs typeface="Arial" panose="020B0604020202020204" pitchFamily="34" charset="0"/>
+                </a:rPr>
+                <a:t>Visión eficiencia</a:t>
+              </a:r>
+            </a:p>
+            <a:p>
+              <a:pPr algn="just">
+                <a:lnSpc>
+                  <a:spcPct val="150000"/>
+                </a:lnSpc>
+              </a:pPr>
+              <a:r>
+                <a:rPr lang="es-PE" dirty="0">
+                  <a:solidFill>
+                    <a:schemeClr val="tx2">
+                      <a:lumMod val="85000"/>
+                      <a:lumOff val="15000"/>
+                    </a:schemeClr>
+                  </a:solidFill>
+                  <a:latin typeface="Arial" panose="020B0604020202020204" pitchFamily="34" charset="0"/>
+                  <a:cs typeface="Arial" panose="020B0604020202020204" pitchFamily="34" charset="0"/>
+                </a:rPr>
+                <a:t>Completo</a:t>
+              </a:r>
+              <a:endParaRPr lang="en-US" dirty="0">
+                <a:solidFill>
+                  <a:schemeClr val="tx2">
+                    <a:lumMod val="85000"/>
+                    <a:lumOff val="15000"/>
+                  </a:schemeClr>
+                </a:solidFill>
+                <a:latin typeface="Arial" panose="020B0604020202020204" pitchFamily="34" charset="0"/>
+                <a:cs typeface="Arial" panose="020B0604020202020204" pitchFamily="34" charset="0"/>
+              </a:endParaRPr>
+            </a:p>
+          </p:txBody>
+        </p:sp>
+        <p:sp>
+          <p:nvSpPr>
+            <p:cNvPr id="10" name="Rectángulo 9">
+              <a:extLst>
+                <a:ext uri="{FF2B5EF4-FFF2-40B4-BE49-F238E27FC236}">
+                  <a16:creationId xmlns:a16="http://schemas.microsoft.com/office/drawing/2014/main" id="{E5251441-5FDB-46CB-A4B1-5E5ABCB60FF8}"/>
+                </a:ext>
+              </a:extLst>
+            </p:cNvPr>
+            <p:cNvSpPr/>
+            <p:nvPr/>
+          </p:nvSpPr>
+          <p:spPr>
+            <a:xfrm>
+              <a:off x="4474853" y="4919554"/>
+              <a:ext cx="2697414" cy="1287532"/>
+            </a:xfrm>
+            <a:prstGeom prst="rect">
+              <a:avLst/>
+            </a:prstGeom>
+            <a:solidFill>
+              <a:srgbClr val="DDF2FF"/>
+            </a:solidFill>
+          </p:spPr>
+          <p:txBody>
+            <a:bodyPr wrap="square">
+              <a:spAutoFit/>
+            </a:bodyPr>
+            <a:lstStyle/>
+            <a:p>
+              <a:pPr algn="just">
+                <a:lnSpc>
+                  <a:spcPct val="150000"/>
+                </a:lnSpc>
+              </a:pPr>
+              <a:r>
+                <a:rPr lang="en-US" dirty="0">
+                  <a:solidFill>
+                    <a:schemeClr val="tx2">
+                      <a:lumMod val="85000"/>
+                      <a:lumOff val="15000"/>
+                    </a:schemeClr>
+                  </a:solidFill>
+                  <a:latin typeface="Arial" panose="020B0604020202020204" pitchFamily="34" charset="0"/>
+                  <a:cs typeface="Arial" panose="020B0604020202020204" pitchFamily="34" charset="0"/>
+                </a:rPr>
+                <a:t>Requisitos</a:t>
+              </a:r>
+            </a:p>
+            <a:p>
+              <a:pPr algn="just">
+                <a:lnSpc>
+                  <a:spcPct val="150000"/>
+                </a:lnSpc>
+              </a:pPr>
+              <a:r>
+                <a:rPr lang="en-US" dirty="0">
+                  <a:solidFill>
+                    <a:schemeClr val="tx2">
+                      <a:lumMod val="85000"/>
+                      <a:lumOff val="15000"/>
+                    </a:schemeClr>
+                  </a:solidFill>
+                  <a:latin typeface="Arial" panose="020B0604020202020204" pitchFamily="34" charset="0"/>
+                  <a:cs typeface="Arial" panose="020B0604020202020204" pitchFamily="34" charset="0"/>
+                </a:rPr>
+                <a:t>Análisis</a:t>
+              </a:r>
+            </a:p>
+            <a:p>
+              <a:pPr algn="just">
+                <a:lnSpc>
+                  <a:spcPct val="150000"/>
+                </a:lnSpc>
+              </a:pPr>
+              <a:r>
+                <a:rPr lang="en-US" dirty="0">
+                  <a:solidFill>
+                    <a:schemeClr val="tx2">
+                      <a:lumMod val="85000"/>
+                      <a:lumOff val="15000"/>
+                    </a:schemeClr>
+                  </a:solidFill>
+                  <a:latin typeface="Arial" panose="020B0604020202020204" pitchFamily="34" charset="0"/>
+                  <a:cs typeface="Arial" panose="020B0604020202020204" pitchFamily="34" charset="0"/>
+                </a:rPr>
+                <a:t>Diseño</a:t>
+              </a:r>
+            </a:p>
+          </p:txBody>
+        </p:sp>
+        <p:pic>
+          <p:nvPicPr>
+            <p:cNvPr id="11" name="Picture 2" descr="Image result for diagramas uml png">
+              <a:extLst>
+                <a:ext uri="{FF2B5EF4-FFF2-40B4-BE49-F238E27FC236}">
+                  <a16:creationId xmlns:a16="http://schemas.microsoft.com/office/drawing/2014/main" id="{20298614-A65A-424F-82F3-F7E05B0838C4}"/>
+                </a:ext>
+              </a:extLst>
+            </p:cNvPr>
+            <p:cNvPicPr>
+              <a:picLocks noChangeAspect="1" noChangeArrowheads="1"/>
+            </p:cNvPicPr>
+            <p:nvPr/>
+          </p:nvPicPr>
+          <p:blipFill>
+            <a:blip r:embed="rId4" cstate="print">
+              <a:extLst>
+                <a:ext uri="{28A0092B-C50C-407E-A947-70E740481C1C}">
+                  <a14:useLocalDpi xmlns:a14="http://schemas.microsoft.com/office/drawing/2010/main" val="0"/>
+                </a:ext>
+              </a:extLst>
+            </a:blip>
+            <a:srcRect/>
+            <a:stretch>
+              <a:fillRect/>
+            </a:stretch>
+          </p:blipFill>
+          <p:spPr bwMode="auto">
+            <a:xfrm>
+              <a:off x="5052366" y="1710602"/>
+              <a:ext cx="1542388" cy="1343491"/>
+            </a:xfrm>
+            <a:prstGeom prst="rect">
+              <a:avLst/>
+            </a:prstGeom>
+            <a:noFill/>
+            <a:extLst>
+              <a:ext uri="{909E8E84-426E-40DD-AFC4-6F175D3DCCD1}">
+                <a14:hiddenFill xmlns:a14="http://schemas.microsoft.com/office/drawing/2010/main">
+                  <a:solidFill>
+                    <a:srgbClr val="FFFFFF"/>
+                  </a:solidFill>
+                </a14:hiddenFill>
+              </a:ext>
+            </a:extLst>
+          </p:spPr>
+        </p:pic>
+      </p:grpSp>
+    </p:spTree>
+    <p:extLst>
+      <p:ext uri="{BB962C8B-B14F-4D97-AF65-F5344CB8AC3E}">
+        <p14:creationId xmlns:p14="http://schemas.microsoft.com/office/powerpoint/2010/main" val="3139604046"/>
+      </p:ext>
+    </p:extLst>
+  </p:cSld>
+  <p:clrMapOvr>
+    <a:masterClrMapping/>
+  </p:clrMapOvr>
+  <mc:AlternateContent xmlns:mc="http://schemas.openxmlformats.org/markup-compatibility/2006" xmlns:p14="http://schemas.microsoft.com/office/powerpoint/2010/main">
+    <mc:Choice Requires="p14">
+      <p:transition spd="med" p14:dur="700">
+        <p:fade/>
+      </p:transition>
+    </mc:Choice>
+    <mc:Fallback xmlns="">
+      <p:transition spd="med">
+        <p:fade/>
+      </p:transition>
+    </mc:Fallback>
+  </mc:AlternateContent>
+  <p:timing>
+    <p:tnLst>
+      <p:par>
+        <p:cTn id="1" dur="indefinite" restart="never" nodeType="tmRoot">
+          <p:childTnLst>
+            <p:seq concurrent="1" nextAc="seek">
+              <p:cTn id="2" dur="indefinite" nodeType="mainSeq">
+                <p:childTnLst>
+                  <p:par>
+                    <p:cTn id="3" fill="hold">
+                      <p:stCondLst>
+                        <p:cond delay="indefinite"/>
+                      </p:stCondLst>
+                      <p:childTnLst>
+                        <p:par>
+                          <p:cTn id="4" fill="hold">
+                            <p:stCondLst>
+                              <p:cond delay="0"/>
+                            </p:stCondLst>
+                            <p:childTnLst>
+                              <p:par>
+                                <p:cTn id="5" presetID="2" presetClass="entr" presetSubtype="4" fill="hold" nodeType="clickEffect">
+                                  <p:stCondLst>
+                                    <p:cond delay="0"/>
+                                  </p:stCondLst>
+                                  <p:childTnLst>
+                                    <p:set>
+                                      <p:cBhvr>
+                                        <p:cTn id="6" dur="1" fill="hold">
+                                          <p:stCondLst>
+                                            <p:cond delay="0"/>
+                                          </p:stCondLst>
+                                        </p:cTn>
+                                        <p:tgtEl>
+                                          <p:spTgt spid="6"/>
+                                        </p:tgtEl>
+                                        <p:attrNameLst>
+                                          <p:attrName>style.visibility</p:attrName>
+                                        </p:attrNameLst>
+                                      </p:cBhvr>
+                                      <p:to>
+                                        <p:strVal val="visible"/>
+                                      </p:to>
+                                    </p:set>
+                                    <p:anim calcmode="lin" valueType="num">
+                                      <p:cBhvr additive="base">
+                                        <p:cTn id="7" dur="500" fill="hold"/>
+                                        <p:tgtEl>
+                                          <p:spTgt spid="6"/>
+                                        </p:tgtEl>
+                                        <p:attrNameLst>
+                                          <p:attrName>ppt_x</p:attrName>
+                                        </p:attrNameLst>
+                                      </p:cBhvr>
+                                      <p:tavLst>
+                                        <p:tav tm="0">
+                                          <p:val>
+                                            <p:strVal val="#ppt_x"/>
+                                          </p:val>
+                                        </p:tav>
+                                        <p:tav tm="100000">
+                                          <p:val>
+                                            <p:strVal val="#ppt_x"/>
+                                          </p:val>
+                                        </p:tav>
+                                      </p:tavLst>
+                                    </p:anim>
+                                    <p:anim calcmode="lin" valueType="num">
+                                      <p:cBhvr additive="base">
+                                        <p:cTn id="8" dur="500" fill="hold"/>
+                                        <p:tgtEl>
+                                          <p:spTgt spid="6"/>
+                                        </p:tgtEl>
+                                        <p:attrNameLst>
+                                          <p:attrName>ppt_y</p:attrName>
+                                        </p:attrNameLst>
+                                      </p:cBhvr>
+                                      <p:tavLst>
+                                        <p:tav tm="0">
+                                          <p:val>
+                                            <p:strVal val="1+#ppt_h/2"/>
+                                          </p:val>
+                                        </p:tav>
+                                        <p:tav tm="100000">
+                                          <p:val>
+                                            <p:strVal val="#ppt_y"/>
+                                          </p:val>
+                                        </p:tav>
+                                      </p:tavLst>
+                                    </p:anim>
+                                  </p:childTnLst>
+                                </p:cTn>
+                              </p:par>
+                            </p:childTnLst>
+                          </p:cTn>
+                        </p:par>
+                      </p:childTnLst>
+                    </p:cTn>
+                  </p:par>
+                  <p:par>
+                    <p:cTn id="9" fill="hold">
+                      <p:stCondLst>
+                        <p:cond delay="indefinite"/>
+                      </p:stCondLst>
+                      <p:childTnLst>
+                        <p:par>
+                          <p:cTn id="10" fill="hold">
+                            <p:stCondLst>
+                              <p:cond delay="0"/>
+                            </p:stCondLst>
+                            <p:childTnLst>
+                              <p:par>
+                                <p:cTn id="11" presetID="30" presetClass="emph" presetSubtype="0" fill="hold" nodeType="clickEffect">
+                                  <p:stCondLst>
+                                    <p:cond delay="0"/>
+                                  </p:stCondLst>
+                                  <p:childTnLst>
+                                    <p:animClr clrSpc="hsl" dir="cw">
+                                      <p:cBhvr override="childStyle">
+                                        <p:cTn id="12" dur="500" fill="hold"/>
+                                        <p:tgtEl>
+                                          <p:spTgt spid="5"/>
+                                        </p:tgtEl>
+                                        <p:attrNameLst>
+                                          <p:attrName>style.color</p:attrName>
+                                        </p:attrNameLst>
+                                      </p:cBhvr>
+                                      <p:by>
+                                        <p:hsl h="0" s="12549" l="25098"/>
+                                      </p:by>
+                                    </p:animClr>
+                                    <p:animClr clrSpc="hsl" dir="cw">
+                                      <p:cBhvr>
+                                        <p:cTn id="13" dur="500" fill="hold"/>
+                                        <p:tgtEl>
+                                          <p:spTgt spid="5"/>
+                                        </p:tgtEl>
+                                        <p:attrNameLst>
+                                          <p:attrName>fillcolor</p:attrName>
+                                        </p:attrNameLst>
+                                      </p:cBhvr>
+                                      <p:by>
+                                        <p:hsl h="0" s="12549" l="25098"/>
+                                      </p:by>
+                                    </p:animClr>
+                                    <p:animClr clrSpc="hsl" dir="cw">
+                                      <p:cBhvr>
+                                        <p:cTn id="14" dur="500" fill="hold"/>
+                                        <p:tgtEl>
+                                          <p:spTgt spid="5"/>
+                                        </p:tgtEl>
+                                        <p:attrNameLst>
+                                          <p:attrName>stroke.color</p:attrName>
+                                        </p:attrNameLst>
+                                      </p:cBhvr>
+                                      <p:by>
+                                        <p:hsl h="0" s="12549" l="25098"/>
+                                      </p:by>
+                                    </p:animClr>
+                                    <p:set>
+                                      <p:cBhvr>
+                                        <p:cTn id="15" dur="500" fill="hold"/>
+                                        <p:tgtEl>
+                                          <p:spTgt spid="5"/>
+                                        </p:tgtEl>
+                                        <p:attrNameLst>
+                                          <p:attrName>fill.type</p:attrName>
+                                        </p:attrNameLst>
+                                      </p:cBhvr>
+                                      <p:to>
+                                        <p:strVal val="solid"/>
+                                      </p:to>
+                                    </p:set>
+                                  </p:childTnLst>
+                                </p:cTn>
+                              </p:par>
+                            </p:childTnLst>
+                          </p:cTn>
+                        </p:par>
+                      </p:childTnLst>
+                    </p:cTn>
+                  </p:par>
+                </p:childTnLst>
+              </p:cTn>
+              <p:prevCondLst>
+                <p:cond evt="onPrev" delay="0">
+                  <p:tgtEl>
+                    <p:sldTgt/>
+                  </p:tgtEl>
+                </p:cond>
+              </p:prevCondLst>
+              <p:nextCondLst>
+                <p:cond evt="onNext" delay="0">
+                  <p:tgtEl>
+                    <p:sldTgt/>
+                  </p:tgtEl>
+                </p:cond>
+              </p:nextCondLst>
+            </p:seq>
+          </p:childTnLst>
+        </p:cTn>
+      </p:par>
+    </p:tnLst>
+  </p:timing>
+</p:sld>
+</file>
+
+<file path=ppt/slides/slide9.xml><?xml version="1.0" encoding="utf-8"?>
+<p:sld xmlns:a="http://schemas.openxmlformats.org/drawingml/2006/main" xmlns:r="http://schemas.openxmlformats.org/officeDocument/2006/relationships" xmlns:p="http://schemas.openxmlformats.org/presentationml/2006/main">
+  <p:cSld>
+    <p:spTree>
+      <p:nvGrpSpPr>
+        <p:cNvPr id="1" name=""/>
+        <p:cNvGrpSpPr/>
+        <p:nvPr/>
+      </p:nvGrpSpPr>
+      <p:grpSpPr>
+        <a:xfrm>
+          <a:off x="0" y="0"/>
+          <a:ext cx="0" cy="0"/>
+          <a:chOff x="0" y="0"/>
+          <a:chExt cx="0" cy="0"/>
+        </a:xfrm>
+      </p:grpSpPr>
+      <p:sp>
+        <p:nvSpPr>
           <p:cNvPr id="6" name="Título 1">
             <a:extLst>
               <a:ext uri="{FF2B5EF4-FFF2-40B4-BE49-F238E27FC236}">
@@ -10666,7 +12061,7 @@
         </p:blipFill>
         <p:spPr bwMode="auto">
           <a:xfrm>
-            <a:off x="2751427" y="1699287"/>
+            <a:off x="469326" y="1699287"/>
             <a:ext cx="6096000" cy="5158713"/>
           </a:xfrm>
           <a:prstGeom prst="rect">
@@ -10684,501 +12079,12 @@
           </a:extLst>
         </p:spPr>
       </p:pic>
-    </p:spTree>
-    <p:extLst>
-      <p:ext uri="{BB962C8B-B14F-4D97-AF65-F5344CB8AC3E}">
-        <p14:creationId xmlns:p14="http://schemas.microsoft.com/office/powerpoint/2010/main" val="2252851297"/>
-      </p:ext>
-    </p:extLst>
-  </p:cSld>
-  <p:clrMapOvr>
-    <a:masterClrMapping/>
-  </p:clrMapOvr>
-  <mc:AlternateContent xmlns:mc="http://schemas.openxmlformats.org/markup-compatibility/2006" xmlns:p14="http://schemas.microsoft.com/office/powerpoint/2010/main">
-    <mc:Choice Requires="p14">
-      <p:transition spd="med" p14:dur="700">
-        <p:fade/>
-      </p:transition>
-    </mc:Choice>
-    <mc:Fallback xmlns="">
-      <p:transition spd="med">
-        <p:fade/>
-      </p:transition>
-    </mc:Fallback>
-  </mc:AlternateContent>
-</p:sld>
-</file>
-
-<file path=ppt/slides/slide9.xml><?xml version="1.0" encoding="utf-8"?>
-<p:sld xmlns:a="http://schemas.openxmlformats.org/drawingml/2006/main" xmlns:r="http://schemas.openxmlformats.org/officeDocument/2006/relationships" xmlns:p="http://schemas.openxmlformats.org/presentationml/2006/main">
-  <p:cSld>
-    <p:spTree>
-      <p:nvGrpSpPr>
-        <p:cNvPr id="1" name=""/>
-        <p:cNvGrpSpPr/>
-        <p:nvPr/>
-      </p:nvGrpSpPr>
-      <p:grpSpPr>
-        <a:xfrm>
-          <a:off x="0" y="0"/>
-          <a:ext cx="0" cy="0"/>
-          <a:chOff x="0" y="0"/>
-          <a:chExt cx="0" cy="0"/>
-        </a:xfrm>
-      </p:grpSpPr>
-      <p:sp>
-        <p:nvSpPr>
-          <p:cNvPr id="2" name="Título 1">
+      <p:pic>
+        <p:nvPicPr>
+          <p:cNvPr id="4" name="Picture 2" descr="Resultado de imagen para diagramas uml desarrollo de software">
             <a:extLst>
               <a:ext uri="{FF2B5EF4-FFF2-40B4-BE49-F238E27FC236}">
-                <a16:creationId xmlns:a16="http://schemas.microsoft.com/office/drawing/2014/main" id="{AF0E5DE9-89D1-4FE4-AA1C-E32D0B9602EB}"/>
-              </a:ext>
-            </a:extLst>
-          </p:cNvPr>
-          <p:cNvSpPr>
-            <a:spLocks noGrp="1"/>
-          </p:cNvSpPr>
-          <p:nvPr>
-            <p:ph type="title"/>
-          </p:nvPr>
-        </p:nvSpPr>
-        <p:spPr>
-          <a:xfrm>
-            <a:off x="0" y="262898"/>
-            <a:ext cx="12192000" cy="890202"/>
-          </a:xfrm>
-          <a:solidFill>
-            <a:srgbClr val="040450"/>
-          </a:solidFill>
-        </p:spPr>
-        <p:style>
-          <a:lnRef idx="3">
-            <a:schemeClr val="lt1"/>
-          </a:lnRef>
-          <a:fillRef idx="1">
-            <a:schemeClr val="dk1"/>
-          </a:fillRef>
-          <a:effectRef idx="1">
-            <a:schemeClr val="dk1"/>
-          </a:effectRef>
-          <a:fontRef idx="minor">
-            <a:schemeClr val="lt1"/>
-          </a:fontRef>
-        </p:style>
-        <p:txBody>
-          <a:bodyPr anchor="ctr">
-            <a:normAutofit fontScale="90000"/>
-          </a:bodyPr>
-          <a:lstStyle/>
-          <a:p>
-            <a:r>
-              <a:rPr lang="es-ES" sz="6000" b="1" spc="50" dirty="0">
-                <a:ln w="9525" cmpd="sng">
-                  <a:solidFill>
-                    <a:schemeClr val="accent1"/>
-                  </a:solidFill>
-                  <a:prstDash val="solid"/>
-                </a:ln>
-                <a:solidFill>
-                  <a:srgbClr val="70AD47">
-                    <a:tint val="1000"/>
-                  </a:srgbClr>
-                </a:solidFill>
-                <a:effectLst>
-                  <a:glow rad="38100">
-                    <a:schemeClr val="accent1">
-                      <a:alpha val="40000"/>
-                    </a:schemeClr>
-                  </a:glow>
-                </a:effectLst>
-                <a:latin typeface="Corbel" panose="020B0503020204020204" pitchFamily="34" charset="0"/>
-              </a:rPr>
-              <a:t> Técnica de Programación</a:t>
-            </a:r>
-            <a:endParaRPr lang="es-PE" sz="6000" b="1" spc="50" dirty="0">
-              <a:ln w="9525" cmpd="sng">
-                <a:solidFill>
-                  <a:schemeClr val="accent1"/>
-                </a:solidFill>
-                <a:prstDash val="solid"/>
-              </a:ln>
-              <a:solidFill>
-                <a:srgbClr val="70AD47">
-                  <a:tint val="1000"/>
-                </a:srgbClr>
-              </a:solidFill>
-              <a:effectLst>
-                <a:glow rad="38100">
-                  <a:schemeClr val="accent1">
-                    <a:alpha val="40000"/>
-                  </a:schemeClr>
-                </a:glow>
-              </a:effectLst>
-              <a:latin typeface="Corbel" panose="020B0503020204020204" pitchFamily="34" charset="0"/>
-            </a:endParaRPr>
-          </a:p>
-        </p:txBody>
-      </p:sp>
-      <p:sp>
-        <p:nvSpPr>
-          <p:cNvPr id="6" name="Título 1">
-            <a:extLst>
-              <a:ext uri="{FF2B5EF4-FFF2-40B4-BE49-F238E27FC236}">
-                <a16:creationId xmlns:a16="http://schemas.microsoft.com/office/drawing/2014/main" id="{3270FBB0-D4A0-4F0E-BC83-A58D4EE93145}"/>
-              </a:ext>
-            </a:extLst>
-          </p:cNvPr>
-          <p:cNvSpPr txBox="1">
-            <a:spLocks/>
-          </p:cNvSpPr>
-          <p:nvPr/>
-        </p:nvSpPr>
-        <p:spPr>
-          <a:xfrm>
-            <a:off x="0" y="1697924"/>
-            <a:ext cx="12192000" cy="636524"/>
-          </a:xfrm>
-          <a:prstGeom prst="rect">
-            <a:avLst/>
-          </a:prstGeom>
-        </p:spPr>
-        <p:style>
-          <a:lnRef idx="3">
-            <a:schemeClr val="lt1"/>
-          </a:lnRef>
-          <a:fillRef idx="1">
-            <a:schemeClr val="accent2"/>
-          </a:fillRef>
-          <a:effectRef idx="1">
-            <a:schemeClr val="accent2"/>
-          </a:effectRef>
-          <a:fontRef idx="minor">
-            <a:schemeClr val="lt1"/>
-          </a:fontRef>
-        </p:style>
-        <p:txBody>
-          <a:bodyPr vert="horz" lIns="91440" tIns="45720" rIns="91440" bIns="45720" rtlCol="0" anchor="ctr">
-            <a:normAutofit/>
-          </a:bodyPr>
-          <a:lstStyle>
-            <a:lvl1pPr algn="l" defTabSz="914400" rtl="0" eaLnBrk="1" latinLnBrk="0" hangingPunct="1">
-              <a:lnSpc>
-                <a:spcPct val="90000"/>
-              </a:lnSpc>
-              <a:spcBef>
-                <a:spcPct val="0"/>
-              </a:spcBef>
-              <a:buNone/>
-              <a:defRPr sz="3200" kern="1200">
-                <a:solidFill>
-                  <a:schemeClr val="lt1"/>
-                </a:solidFill>
-                <a:latin typeface="+mn-lt"/>
-                <a:ea typeface="+mn-ea"/>
-                <a:cs typeface="+mn-cs"/>
-              </a:defRPr>
-            </a:lvl1pPr>
-            <a:lvl2pPr>
-              <a:defRPr>
-                <a:solidFill>
-                  <a:schemeClr val="lt1"/>
-                </a:solidFill>
-                <a:latin typeface="+mn-lt"/>
-                <a:ea typeface="+mn-ea"/>
-                <a:cs typeface="+mn-cs"/>
-              </a:defRPr>
-            </a:lvl2pPr>
-            <a:lvl3pPr>
-              <a:defRPr>
-                <a:solidFill>
-                  <a:schemeClr val="lt1"/>
-                </a:solidFill>
-                <a:latin typeface="+mn-lt"/>
-                <a:ea typeface="+mn-ea"/>
-                <a:cs typeface="+mn-cs"/>
-              </a:defRPr>
-            </a:lvl3pPr>
-            <a:lvl4pPr>
-              <a:defRPr>
-                <a:solidFill>
-                  <a:schemeClr val="lt1"/>
-                </a:solidFill>
-                <a:latin typeface="+mn-lt"/>
-                <a:ea typeface="+mn-ea"/>
-                <a:cs typeface="+mn-cs"/>
-              </a:defRPr>
-            </a:lvl4pPr>
-            <a:lvl5pPr>
-              <a:defRPr>
-                <a:solidFill>
-                  <a:schemeClr val="lt1"/>
-                </a:solidFill>
-                <a:latin typeface="+mn-lt"/>
-                <a:ea typeface="+mn-ea"/>
-                <a:cs typeface="+mn-cs"/>
-              </a:defRPr>
-            </a:lvl5pPr>
-            <a:lvl6pPr>
-              <a:defRPr>
-                <a:solidFill>
-                  <a:schemeClr val="lt1"/>
-                </a:solidFill>
-                <a:latin typeface="+mn-lt"/>
-                <a:ea typeface="+mn-ea"/>
-                <a:cs typeface="+mn-cs"/>
-              </a:defRPr>
-            </a:lvl6pPr>
-            <a:lvl7pPr>
-              <a:defRPr>
-                <a:solidFill>
-                  <a:schemeClr val="lt1"/>
-                </a:solidFill>
-                <a:latin typeface="+mn-lt"/>
-                <a:ea typeface="+mn-ea"/>
-                <a:cs typeface="+mn-cs"/>
-              </a:defRPr>
-            </a:lvl7pPr>
-            <a:lvl8pPr>
-              <a:defRPr>
-                <a:solidFill>
-                  <a:schemeClr val="lt1"/>
-                </a:solidFill>
-                <a:latin typeface="+mn-lt"/>
-                <a:ea typeface="+mn-ea"/>
-                <a:cs typeface="+mn-cs"/>
-              </a:defRPr>
-            </a:lvl8pPr>
-            <a:lvl9pPr>
-              <a:defRPr>
-                <a:solidFill>
-                  <a:schemeClr val="lt1"/>
-                </a:solidFill>
-                <a:latin typeface="+mn-lt"/>
-                <a:ea typeface="+mn-ea"/>
-                <a:cs typeface="+mn-cs"/>
-              </a:defRPr>
-            </a:lvl9pPr>
-          </a:lstStyle>
-          <a:p>
-            <a:pPr algn="ctr"/>
-            <a:r>
-              <a:rPr lang="es-ES" sz="2400" dirty="0">
-                <a:ln w="0">
-                  <a:solidFill>
-                    <a:sysClr val="windowText" lastClr="000000"/>
-                  </a:solidFill>
-                </a:ln>
-                <a:solidFill>
-                  <a:sysClr val="windowText" lastClr="000000"/>
-                </a:solidFill>
-                <a:effectLst>
-                  <a:outerShdw blurRad="38100" dist="19050" dir="2700000" algn="tl" rotWithShape="0">
-                    <a:schemeClr val="dk1">
-                      <a:alpha val="40000"/>
-                    </a:schemeClr>
-                  </a:outerShdw>
-                </a:effectLst>
-                <a:latin typeface="Corbel" panose="020B0503020204020204" pitchFamily="34" charset="0"/>
-              </a:rPr>
-              <a:t>TDD (Desarrollo Guiado por Pruebas)</a:t>
-            </a:r>
-          </a:p>
-        </p:txBody>
-      </p:sp>
-      <p:sp>
-        <p:nvSpPr>
-          <p:cNvPr id="10" name="Rectángulo: esquinas redondeadas 9">
-            <a:extLst>
-              <a:ext uri="{FF2B5EF4-FFF2-40B4-BE49-F238E27FC236}">
-                <a16:creationId xmlns:a16="http://schemas.microsoft.com/office/drawing/2014/main" id="{F2AD017D-6541-47D4-A458-D0D040E9BB09}"/>
-              </a:ext>
-            </a:extLst>
-          </p:cNvPr>
-          <p:cNvSpPr/>
-          <p:nvPr/>
-        </p:nvSpPr>
-        <p:spPr>
-          <a:xfrm>
-            <a:off x="594485" y="4505528"/>
-            <a:ext cx="4273893" cy="469344"/>
-          </a:xfrm>
-          <a:prstGeom prst="roundRect">
-            <a:avLst>
-              <a:gd name="adj" fmla="val 37544"/>
-            </a:avLst>
-          </a:prstGeom>
-          <a:solidFill>
-            <a:srgbClr val="EF7920"/>
-          </a:solidFill>
-          <a:ln/>
-        </p:spPr>
-        <p:style>
-          <a:lnRef idx="3">
-            <a:schemeClr val="lt1"/>
-          </a:lnRef>
-          <a:fillRef idx="1">
-            <a:schemeClr val="accent6"/>
-          </a:fillRef>
-          <a:effectRef idx="1">
-            <a:schemeClr val="accent6"/>
-          </a:effectRef>
-          <a:fontRef idx="minor">
-            <a:schemeClr val="lt1"/>
-          </a:fontRef>
-        </p:style>
-        <p:txBody>
-          <a:bodyPr wrap="square" anchor="ctr">
-            <a:spAutoFit/>
-          </a:bodyPr>
-          <a:lstStyle/>
-          <a:p>
-            <a:pPr algn="ctr"/>
-            <a:r>
-              <a:rPr lang="es-PE" b="1" spc="50" dirty="0">
-                <a:ln w="0"/>
-                <a:solidFill>
-                  <a:schemeClr val="tx2">
-                    <a:lumMod val="95000"/>
-                    <a:lumOff val="5000"/>
-                  </a:schemeClr>
-                </a:solidFill>
-                <a:effectLst>
-                  <a:innerShdw blurRad="63500" dist="50800" dir="13500000">
-                    <a:srgbClr val="000000">
-                      <a:alpha val="50000"/>
-                    </a:srgbClr>
-                  </a:innerShdw>
-                </a:effectLst>
-                <a:latin typeface="Tahoma" panose="020B0604030504040204" pitchFamily="34" charset="0"/>
-                <a:ea typeface="Tahoma" panose="020B0604030504040204" pitchFamily="34" charset="0"/>
-                <a:cs typeface="Tahoma" panose="020B0604030504040204" pitchFamily="34" charset="0"/>
-              </a:rPr>
-              <a:t>¿Por qué Aplicarlo?</a:t>
-            </a:r>
-          </a:p>
-        </p:txBody>
-      </p:sp>
-      <p:sp>
-        <p:nvSpPr>
-          <p:cNvPr id="9" name="Rectángulo 8">
-            <a:extLst>
-              <a:ext uri="{FF2B5EF4-FFF2-40B4-BE49-F238E27FC236}">
-                <a16:creationId xmlns:a16="http://schemas.microsoft.com/office/drawing/2014/main" id="{740FC6C0-8B87-41FA-8E7A-B6A5DEAB8555}"/>
-              </a:ext>
-            </a:extLst>
-          </p:cNvPr>
-          <p:cNvSpPr/>
-          <p:nvPr/>
-        </p:nvSpPr>
-        <p:spPr>
-          <a:xfrm>
-            <a:off x="594485" y="5343657"/>
-            <a:ext cx="5501513" cy="646331"/>
-          </a:xfrm>
-          <a:prstGeom prst="rect">
-            <a:avLst/>
-          </a:prstGeom>
-        </p:spPr>
-        <p:txBody>
-          <a:bodyPr wrap="square">
-            <a:spAutoFit/>
-          </a:bodyPr>
-          <a:lstStyle/>
-          <a:p>
-            <a:pPr algn="just"/>
-            <a:r>
-              <a:rPr lang="es-ES" dirty="0">
-                <a:solidFill>
-                  <a:schemeClr val="tx2">
-                    <a:lumMod val="85000"/>
-                    <a:lumOff val="15000"/>
-                  </a:schemeClr>
-                </a:solidFill>
-                <a:latin typeface="Tahoma" panose="020B0604030504040204" pitchFamily="34" charset="0"/>
-                <a:ea typeface="Tahoma" panose="020B0604030504040204" pitchFamily="34" charset="0"/>
-                <a:cs typeface="Tahoma" panose="020B0604030504040204" pitchFamily="34" charset="0"/>
-              </a:rPr>
-              <a:t>Ofrece un código más robusto </a:t>
-            </a:r>
-            <a:r>
-              <a:rPr lang="es-PE" dirty="0">
-                <a:solidFill>
-                  <a:schemeClr val="tx2">
-                    <a:lumMod val="85000"/>
-                    <a:lumOff val="15000"/>
-                  </a:schemeClr>
-                </a:solidFill>
-                <a:latin typeface="Tahoma" panose="020B0604030504040204" pitchFamily="34" charset="0"/>
-                <a:ea typeface="Tahoma" panose="020B0604030504040204" pitchFamily="34" charset="0"/>
-                <a:cs typeface="Tahoma" panose="020B0604030504040204" pitchFamily="34" charset="0"/>
-              </a:rPr>
-              <a:t>más seguro, más mantenible y una mayor rapidez en el desarrollo.</a:t>
-            </a:r>
-            <a:endParaRPr lang="es-ES" dirty="0">
-              <a:solidFill>
-                <a:schemeClr val="tx2">
-                  <a:lumMod val="85000"/>
-                  <a:lumOff val="15000"/>
-                </a:schemeClr>
-              </a:solidFill>
-              <a:latin typeface="Tahoma" panose="020B0604030504040204" pitchFamily="34" charset="0"/>
-              <a:ea typeface="Tahoma" panose="020B0604030504040204" pitchFamily="34" charset="0"/>
-              <a:cs typeface="Tahoma" panose="020B0604030504040204" pitchFamily="34" charset="0"/>
-            </a:endParaRPr>
-          </a:p>
-        </p:txBody>
-      </p:sp>
-      <p:sp>
-        <p:nvSpPr>
-          <p:cNvPr id="14" name="Rectángulo 13">
-            <a:extLst>
-              <a:ext uri="{FF2B5EF4-FFF2-40B4-BE49-F238E27FC236}">
-                <a16:creationId xmlns:a16="http://schemas.microsoft.com/office/drawing/2014/main" id="{C4C106E4-336B-42EF-A326-BAF6AE1526C9}"/>
-              </a:ext>
-            </a:extLst>
-          </p:cNvPr>
-          <p:cNvSpPr/>
-          <p:nvPr/>
-        </p:nvSpPr>
-        <p:spPr>
-          <a:xfrm>
-            <a:off x="352658" y="2879159"/>
-            <a:ext cx="11486679" cy="923330"/>
-          </a:xfrm>
-          <a:prstGeom prst="rect">
-            <a:avLst/>
-          </a:prstGeom>
-        </p:spPr>
-        <p:txBody>
-          <a:bodyPr wrap="square">
-            <a:spAutoFit/>
-          </a:bodyPr>
-          <a:lstStyle/>
-          <a:p>
-            <a:pPr algn="just"/>
-            <a:r>
-              <a:rPr lang="es-PE" dirty="0">
-                <a:solidFill>
-                  <a:schemeClr val="tx2">
-                    <a:lumMod val="85000"/>
-                    <a:lumOff val="15000"/>
-                  </a:schemeClr>
-                </a:solidFill>
-                <a:latin typeface="Tahoma" panose="020B0604030504040204" pitchFamily="34" charset="0"/>
-                <a:ea typeface="Tahoma" panose="020B0604030504040204" pitchFamily="34" charset="0"/>
-                <a:cs typeface="Tahoma" panose="020B0604030504040204" pitchFamily="34" charset="0"/>
-              </a:rPr>
-              <a:t>Promueve el desarrollo de software con altos niveles de calidad, simplicidad de diseño y productividad del programador, mediante la utilización de una amplia gama de tipos de pruebas automáticas a lo largo de todo el ciclo de vida del software. </a:t>
-            </a:r>
-          </a:p>
-        </p:txBody>
-      </p:sp>
-      <p:pic>
-        <p:nvPicPr>
-          <p:cNvPr id="1026" name="Picture 2" descr="Resultado de imagen para test driven development">
-            <a:extLst>
-              <a:ext uri="{FF2B5EF4-FFF2-40B4-BE49-F238E27FC236}">
-                <a16:creationId xmlns:a16="http://schemas.microsoft.com/office/drawing/2014/main" id="{BB3D4EF2-EEF3-4F8B-A51F-0F8798C97F40}"/>
+                <a16:creationId xmlns:a16="http://schemas.microsoft.com/office/drawing/2014/main" id="{7EFF625B-EF63-4523-8534-06B05267F28D}"/>
               </a:ext>
             </a:extLst>
           </p:cNvPr>
@@ -11187,23 +12093,21 @@
           </p:cNvPicPr>
           <p:nvPr/>
         </p:nvPicPr>
-        <p:blipFill>
-          <a:blip r:embed="rId2">
+        <p:blipFill rotWithShape="1">
+          <a:blip r:embed="rId3">
             <a:extLst>
               <a:ext uri="{28A0092B-C50C-407E-A947-70E740481C1C}">
                 <a14:useLocalDpi xmlns:a14="http://schemas.microsoft.com/office/drawing/2010/main" val="0"/>
               </a:ext>
             </a:extLst>
           </a:blip>
-          <a:srcRect/>
-          <a:stretch>
-            <a:fillRect/>
-          </a:stretch>
+          <a:srcRect l="3063" t="10214" r="3467" b="4013"/>
+          <a:stretch/>
         </p:blipFill>
         <p:spPr bwMode="auto">
           <a:xfrm>
-            <a:off x="6807200" y="3931351"/>
-            <a:ext cx="4324350" cy="2457450"/>
+            <a:off x="6606891" y="2482673"/>
+            <a:ext cx="5528608" cy="3591940"/>
           </a:xfrm>
           <a:prstGeom prst="rect">
             <a:avLst/>
@@ -11223,7 +12127,7 @@
     </p:spTree>
     <p:extLst>
       <p:ext uri="{BB962C8B-B14F-4D97-AF65-F5344CB8AC3E}">
-        <p14:creationId xmlns:p14="http://schemas.microsoft.com/office/powerpoint/2010/main" val="2250107749"/>
+        <p14:creationId xmlns:p14="http://schemas.microsoft.com/office/powerpoint/2010/main" val="2252851297"/>
       </p:ext>
     </p:extLst>
   </p:cSld>
